--- a/Debugging third party libraries.pptx
+++ b/Debugging third party libraries.pptx
@@ -5,14 +5,16 @@
     <p:sldMasterId id="2147483660" r:id="rId1"/>
   </p:sldMasterIdLst>
   <p:notesMasterIdLst>
-    <p:notesMasterId r:id="rId7"/>
+    <p:notesMasterId r:id="rId9"/>
   </p:notesMasterIdLst>
   <p:sldIdLst>
-    <p:sldId id="256" r:id="rId2"/>
-    <p:sldId id="258" r:id="rId3"/>
-    <p:sldId id="259" r:id="rId4"/>
-    <p:sldId id="260" r:id="rId5"/>
-    <p:sldId id="261" r:id="rId6"/>
+    <p:sldId id="262" r:id="rId2"/>
+    <p:sldId id="256" r:id="rId3"/>
+    <p:sldId id="258" r:id="rId4"/>
+    <p:sldId id="259" r:id="rId5"/>
+    <p:sldId id="260" r:id="rId6"/>
+    <p:sldId id="261" r:id="rId7"/>
+    <p:sldId id="263" r:id="rId8"/>
   </p:sldIdLst>
   <p:sldSz cx="12192000" cy="6858000"/>
   <p:notesSz cx="6858000" cy="9144000"/>
@@ -113,7 +115,7 @@
   </p:defaultTextStyle>
   <p:extLst>
     <p:ext uri="{EFAFB233-063F-42B5-8137-9DF3F51BA10A}">
-      <p15:sldGuideLst xmlns:p15="http://schemas.microsoft.com/office/powerpoint/2012/main"/>
+      <p15:sldGuideLst xmlns:p15="http://schemas.microsoft.com/office/powerpoint/2012/main" xmlns=""/>
     </p:ext>
   </p:extLst>
 </p:presentation>
@@ -201,7 +203,8 @@
           <a:p>
             <a:fld id="{1A55B2D2-AF24-4E2F-B923-2E3392026B45}" type="datetimeFigureOut">
               <a:rPr lang="en-NZ" smtClean="0"/>
-              <a:t>23/10/2018</a:t>
+              <a:pPr/>
+              <a:t>24/10/2018</a:t>
             </a:fld>
             <a:endParaRPr lang="en-NZ"/>
           </a:p>
@@ -360,6 +363,7 @@
           <a:p>
             <a:fld id="{EBD8384D-27E8-4EDF-9909-483BA167641B}" type="slidenum">
               <a:rPr lang="en-NZ" smtClean="0"/>
+              <a:pPr/>
               <a:t>‹#›</a:t>
             </a:fld>
             <a:endParaRPr lang="en-NZ"/>
@@ -369,7 +373,7 @@
     </p:spTree>
     <p:extLst>
       <p:ext uri="{BB962C8B-B14F-4D97-AF65-F5344CB8AC3E}">
-        <p14:creationId xmlns:p14="http://schemas.microsoft.com/office/powerpoint/2010/main" val="4276335257"/>
+        <p14:creationId xmlns:p14="http://schemas.microsoft.com/office/powerpoint/2010/main" xmlns="" val="4276335257"/>
       </p:ext>
     </p:extLst>
   </p:cSld>
@@ -608,7 +612,8 @@
           <a:p>
             <a:fld id="{989C9FF9-320A-44E5-A81D-C776E6024483}" type="datetimeFigureOut">
               <a:rPr lang="en-NZ" smtClean="0"/>
-              <a:t>23/10/2018</a:t>
+              <a:pPr/>
+              <a:t>24/10/2018</a:t>
             </a:fld>
             <a:endParaRPr lang="en-NZ"/>
           </a:p>
@@ -660,6 +665,7 @@
           <a:p>
             <a:fld id="{E64C9C97-DD54-48C0-9688-A58ED9FD9211}" type="slidenum">
               <a:rPr lang="en-NZ" smtClean="0"/>
+              <a:pPr/>
               <a:t>‹#›</a:t>
             </a:fld>
             <a:endParaRPr lang="en-NZ"/>
@@ -700,7 +706,7 @@
     </p:spTree>
     <p:extLst>
       <p:ext uri="{BB962C8B-B14F-4D97-AF65-F5344CB8AC3E}">
-        <p14:creationId xmlns:p14="http://schemas.microsoft.com/office/powerpoint/2010/main" val="977945229"/>
+        <p14:creationId xmlns:p14="http://schemas.microsoft.com/office/powerpoint/2010/main" xmlns="" val="977945229"/>
       </p:ext>
     </p:extLst>
   </p:cSld>
@@ -819,7 +825,8 @@
           <a:p>
             <a:fld id="{989C9FF9-320A-44E5-A81D-C776E6024483}" type="datetimeFigureOut">
               <a:rPr lang="en-NZ" smtClean="0"/>
-              <a:t>23/10/2018</a:t>
+              <a:pPr/>
+              <a:t>24/10/2018</a:t>
             </a:fld>
             <a:endParaRPr lang="en-NZ"/>
           </a:p>
@@ -861,6 +868,7 @@
           <a:p>
             <a:fld id="{E64C9C97-DD54-48C0-9688-A58ED9FD9211}" type="slidenum">
               <a:rPr lang="en-NZ" smtClean="0"/>
+              <a:pPr/>
               <a:t>‹#›</a:t>
             </a:fld>
             <a:endParaRPr lang="en-NZ"/>
@@ -901,7 +909,7 @@
     </p:spTree>
     <p:extLst>
       <p:ext uri="{BB962C8B-B14F-4D97-AF65-F5344CB8AC3E}">
-        <p14:creationId xmlns:p14="http://schemas.microsoft.com/office/powerpoint/2010/main" val="733231174"/>
+        <p14:creationId xmlns:p14="http://schemas.microsoft.com/office/powerpoint/2010/main" xmlns="" val="733231174"/>
       </p:ext>
     </p:extLst>
   </p:cSld>
@@ -1034,7 +1042,8 @@
           <a:p>
             <a:fld id="{989C9FF9-320A-44E5-A81D-C776E6024483}" type="datetimeFigureOut">
               <a:rPr lang="en-NZ" smtClean="0"/>
-              <a:t>23/10/2018</a:t>
+              <a:pPr/>
+              <a:t>24/10/2018</a:t>
             </a:fld>
             <a:endParaRPr lang="en-NZ"/>
           </a:p>
@@ -1076,6 +1085,7 @@
           <a:p>
             <a:fld id="{E64C9C97-DD54-48C0-9688-A58ED9FD9211}" type="slidenum">
               <a:rPr lang="en-NZ" smtClean="0"/>
+              <a:pPr/>
               <a:t>‹#›</a:t>
             </a:fld>
             <a:endParaRPr lang="en-NZ"/>
@@ -1116,7 +1126,7 @@
     </p:spTree>
     <p:extLst>
       <p:ext uri="{BB962C8B-B14F-4D97-AF65-F5344CB8AC3E}">
-        <p14:creationId xmlns:p14="http://schemas.microsoft.com/office/powerpoint/2010/main" val="989571507"/>
+        <p14:creationId xmlns:p14="http://schemas.microsoft.com/office/powerpoint/2010/main" xmlns="" val="989571507"/>
       </p:ext>
     </p:extLst>
   </p:cSld>
@@ -1235,7 +1245,8 @@
           <a:p>
             <a:fld id="{989C9FF9-320A-44E5-A81D-C776E6024483}" type="datetimeFigureOut">
               <a:rPr lang="en-NZ" smtClean="0"/>
-              <a:t>23/10/2018</a:t>
+              <a:pPr/>
+              <a:t>24/10/2018</a:t>
             </a:fld>
             <a:endParaRPr lang="en-NZ"/>
           </a:p>
@@ -1277,6 +1288,7 @@
           <a:p>
             <a:fld id="{E64C9C97-DD54-48C0-9688-A58ED9FD9211}" type="slidenum">
               <a:rPr lang="en-NZ" smtClean="0"/>
+              <a:pPr/>
               <a:t>‹#›</a:t>
             </a:fld>
             <a:endParaRPr lang="en-NZ"/>
@@ -1317,7 +1329,7 @@
     </p:spTree>
     <p:extLst>
       <p:ext uri="{BB962C8B-B14F-4D97-AF65-F5344CB8AC3E}">
-        <p14:creationId xmlns:p14="http://schemas.microsoft.com/office/powerpoint/2010/main" val="2498186862"/>
+        <p14:creationId xmlns:p14="http://schemas.microsoft.com/office/powerpoint/2010/main" xmlns="" val="2498186862"/>
       </p:ext>
     </p:extLst>
   </p:cSld>
@@ -1514,7 +1526,8 @@
           <a:p>
             <a:fld id="{989C9FF9-320A-44E5-A81D-C776E6024483}" type="datetimeFigureOut">
               <a:rPr lang="en-NZ" smtClean="0"/>
-              <a:t>23/10/2018</a:t>
+              <a:pPr/>
+              <a:t>24/10/2018</a:t>
             </a:fld>
             <a:endParaRPr lang="en-NZ"/>
           </a:p>
@@ -1556,6 +1569,7 @@
           <a:p>
             <a:fld id="{E64C9C97-DD54-48C0-9688-A58ED9FD9211}" type="slidenum">
               <a:rPr lang="en-NZ" smtClean="0"/>
+              <a:pPr/>
               <a:t>‹#›</a:t>
             </a:fld>
             <a:endParaRPr lang="en-NZ"/>
@@ -1596,7 +1610,7 @@
     </p:spTree>
     <p:extLst>
       <p:ext uri="{BB962C8B-B14F-4D97-AF65-F5344CB8AC3E}">
-        <p14:creationId xmlns:p14="http://schemas.microsoft.com/office/powerpoint/2010/main" val="3466418926"/>
+        <p14:creationId xmlns:p14="http://schemas.microsoft.com/office/powerpoint/2010/main" xmlns="" val="3466418926"/>
       </p:ext>
     </p:extLst>
   </p:cSld>
@@ -1782,7 +1796,8 @@
           <a:p>
             <a:fld id="{989C9FF9-320A-44E5-A81D-C776E6024483}" type="datetimeFigureOut">
               <a:rPr lang="en-NZ" smtClean="0"/>
-              <a:t>23/10/2018</a:t>
+              <a:pPr/>
+              <a:t>24/10/2018</a:t>
             </a:fld>
             <a:endParaRPr lang="en-NZ"/>
           </a:p>
@@ -1824,6 +1839,7 @@
           <a:p>
             <a:fld id="{E64C9C97-DD54-48C0-9688-A58ED9FD9211}" type="slidenum">
               <a:rPr lang="en-NZ" smtClean="0"/>
+              <a:pPr/>
               <a:t>‹#›</a:t>
             </a:fld>
             <a:endParaRPr lang="en-NZ"/>
@@ -1864,7 +1880,7 @@
     </p:spTree>
     <p:extLst>
       <p:ext uri="{BB962C8B-B14F-4D97-AF65-F5344CB8AC3E}">
-        <p14:creationId xmlns:p14="http://schemas.microsoft.com/office/powerpoint/2010/main" val="1695601384"/>
+        <p14:creationId xmlns:p14="http://schemas.microsoft.com/office/powerpoint/2010/main" xmlns="" val="1695601384"/>
       </p:ext>
     </p:extLst>
   </p:cSld>
@@ -2198,7 +2214,8 @@
           <a:p>
             <a:fld id="{989C9FF9-320A-44E5-A81D-C776E6024483}" type="datetimeFigureOut">
               <a:rPr lang="en-NZ" smtClean="0"/>
-              <a:t>23/10/2018</a:t>
+              <a:pPr/>
+              <a:t>24/10/2018</a:t>
             </a:fld>
             <a:endParaRPr lang="en-NZ"/>
           </a:p>
@@ -2240,6 +2257,7 @@
           <a:p>
             <a:fld id="{E64C9C97-DD54-48C0-9688-A58ED9FD9211}" type="slidenum">
               <a:rPr lang="en-NZ" smtClean="0"/>
+              <a:pPr/>
               <a:t>‹#›</a:t>
             </a:fld>
             <a:endParaRPr lang="en-NZ"/>
@@ -2280,7 +2298,7 @@
     </p:spTree>
     <p:extLst>
       <p:ext uri="{BB962C8B-B14F-4D97-AF65-F5344CB8AC3E}">
-        <p14:creationId xmlns:p14="http://schemas.microsoft.com/office/powerpoint/2010/main" val="3595811723"/>
+        <p14:creationId xmlns:p14="http://schemas.microsoft.com/office/powerpoint/2010/main" xmlns="" val="3595811723"/>
       </p:ext>
     </p:extLst>
   </p:cSld>
@@ -2347,7 +2365,8 @@
           <a:p>
             <a:fld id="{989C9FF9-320A-44E5-A81D-C776E6024483}" type="datetimeFigureOut">
               <a:rPr lang="en-NZ" smtClean="0"/>
-              <a:t>23/10/2018</a:t>
+              <a:pPr/>
+              <a:t>24/10/2018</a:t>
             </a:fld>
             <a:endParaRPr lang="en-NZ"/>
           </a:p>
@@ -2389,6 +2408,7 @@
           <a:p>
             <a:fld id="{E64C9C97-DD54-48C0-9688-A58ED9FD9211}" type="slidenum">
               <a:rPr lang="en-NZ" smtClean="0"/>
+              <a:pPr/>
               <a:t>‹#›</a:t>
             </a:fld>
             <a:endParaRPr lang="en-NZ"/>
@@ -2429,7 +2449,7 @@
     </p:spTree>
     <p:extLst>
       <p:ext uri="{BB962C8B-B14F-4D97-AF65-F5344CB8AC3E}">
-        <p14:creationId xmlns:p14="http://schemas.microsoft.com/office/powerpoint/2010/main" val="770946516"/>
+        <p14:creationId xmlns:p14="http://schemas.microsoft.com/office/powerpoint/2010/main" xmlns="" val="770946516"/>
       </p:ext>
     </p:extLst>
   </p:cSld>
@@ -2473,7 +2493,8 @@
           <a:p>
             <a:fld id="{989C9FF9-320A-44E5-A81D-C776E6024483}" type="datetimeFigureOut">
               <a:rPr lang="en-NZ" smtClean="0"/>
-              <a:t>23/10/2018</a:t>
+              <a:pPr/>
+              <a:t>24/10/2018</a:t>
             </a:fld>
             <a:endParaRPr lang="en-NZ"/>
           </a:p>
@@ -2515,6 +2536,7 @@
           <a:p>
             <a:fld id="{E64C9C97-DD54-48C0-9688-A58ED9FD9211}" type="slidenum">
               <a:rPr lang="en-NZ" smtClean="0"/>
+              <a:pPr/>
               <a:t>‹#›</a:t>
             </a:fld>
             <a:endParaRPr lang="en-NZ"/>
@@ -2524,7 +2546,7 @@
     </p:spTree>
     <p:extLst>
       <p:ext uri="{BB962C8B-B14F-4D97-AF65-F5344CB8AC3E}">
-        <p14:creationId xmlns:p14="http://schemas.microsoft.com/office/powerpoint/2010/main" val="317105976"/>
+        <p14:creationId xmlns:p14="http://schemas.microsoft.com/office/powerpoint/2010/main" xmlns="" val="317105976"/>
       </p:ext>
     </p:extLst>
   </p:cSld>
@@ -2724,7 +2746,8 @@
           <a:p>
             <a:fld id="{989C9FF9-320A-44E5-A81D-C776E6024483}" type="datetimeFigureOut">
               <a:rPr lang="en-NZ" smtClean="0"/>
-              <a:t>23/10/2018</a:t>
+              <a:pPr/>
+              <a:t>24/10/2018</a:t>
             </a:fld>
             <a:endParaRPr lang="en-NZ"/>
           </a:p>
@@ -2766,6 +2789,7 @@
           <a:p>
             <a:fld id="{E64C9C97-DD54-48C0-9688-A58ED9FD9211}" type="slidenum">
               <a:rPr lang="en-NZ" smtClean="0"/>
+              <a:pPr/>
               <a:t>‹#›</a:t>
             </a:fld>
             <a:endParaRPr lang="en-NZ"/>
@@ -2806,7 +2830,7 @@
     </p:spTree>
     <p:extLst>
       <p:ext uri="{BB962C8B-B14F-4D97-AF65-F5344CB8AC3E}">
-        <p14:creationId xmlns:p14="http://schemas.microsoft.com/office/powerpoint/2010/main" val="3866206327"/>
+        <p14:creationId xmlns:p14="http://schemas.microsoft.com/office/powerpoint/2010/main" xmlns="" val="3866206327"/>
       </p:ext>
     </p:extLst>
   </p:cSld>
@@ -3169,7 +3193,8 @@
           <a:p>
             <a:fld id="{989C9FF9-320A-44E5-A81D-C776E6024483}" type="datetimeFigureOut">
               <a:rPr lang="en-NZ" smtClean="0"/>
-              <a:t>23/10/2018</a:t>
+              <a:pPr/>
+              <a:t>24/10/2018</a:t>
             </a:fld>
             <a:endParaRPr lang="en-NZ"/>
           </a:p>
@@ -3216,6 +3241,7 @@
           <a:p>
             <a:fld id="{E64C9C97-DD54-48C0-9688-A58ED9FD9211}" type="slidenum">
               <a:rPr lang="en-NZ" smtClean="0"/>
+              <a:pPr/>
               <a:t>‹#›</a:t>
             </a:fld>
             <a:endParaRPr lang="en-NZ"/>
@@ -3256,7 +3282,7 @@
     </p:spTree>
     <p:extLst>
       <p:ext uri="{BB962C8B-B14F-4D97-AF65-F5344CB8AC3E}">
-        <p14:creationId xmlns:p14="http://schemas.microsoft.com/office/powerpoint/2010/main" val="1373044417"/>
+        <p14:creationId xmlns:p14="http://schemas.microsoft.com/office/powerpoint/2010/main" xmlns="" val="1373044417"/>
       </p:ext>
     </p:extLst>
   </p:cSld>
@@ -3346,10 +3372,10 @@
           <p:nvPr/>
         </p:nvPicPr>
         <p:blipFill rotWithShape="1">
-          <a:blip r:embed="rId13">
+          <a:blip r:embed="rId13" cstate="print">
             <a:extLst>
               <a:ext uri="{28A0092B-C50C-407E-A947-70E740481C1C}">
-                <a14:useLocalDpi xmlns:a14="http://schemas.microsoft.com/office/drawing/2010/main" val="0"/>
+                <a14:useLocalDpi xmlns:a14="http://schemas.microsoft.com/office/drawing/2010/main" xmlns="" val="0"/>
               </a:ext>
             </a:extLst>
           </a:blip>
@@ -3495,7 +3521,8 @@
           <a:p>
             <a:fld id="{989C9FF9-320A-44E5-A81D-C776E6024483}" type="datetimeFigureOut">
               <a:rPr lang="en-NZ" smtClean="0"/>
-              <a:t>23/10/2018</a:t>
+              <a:pPr/>
+              <a:t>24/10/2018</a:t>
             </a:fld>
             <a:endParaRPr lang="en-NZ"/>
           </a:p>
@@ -3571,6 +3598,7 @@
           <a:p>
             <a:fld id="{E64C9C97-DD54-48C0-9688-A58ED9FD9211}" type="slidenum">
               <a:rPr lang="en-NZ" smtClean="0"/>
+              <a:pPr/>
               <a:t>‹#›</a:t>
             </a:fld>
             <a:endParaRPr lang="en-NZ"/>
@@ -3617,7 +3645,7 @@
     </p:spTree>
     <p:extLst>
       <p:ext uri="{BB962C8B-B14F-4D97-AF65-F5344CB8AC3E}">
-        <p14:creationId xmlns:p14="http://schemas.microsoft.com/office/powerpoint/2010/main" val="1119692030"/>
+        <p14:creationId xmlns:p14="http://schemas.microsoft.com/office/powerpoint/2010/main" xmlns="" val="1119692030"/>
       </p:ext>
     </p:extLst>
   </p:cSld>
@@ -3983,13 +4011,7 @@
       </p:grpSpPr>
       <p:sp>
         <p:nvSpPr>
-          <p:cNvPr id="4" name="Title 3">
-            <a:extLst>
-              <a:ext uri="{FF2B5EF4-FFF2-40B4-BE49-F238E27FC236}">
-                <a16:creationId xmlns:a16="http://schemas.microsoft.com/office/drawing/2014/main" id="{F5E059EC-AA50-455F-9912-117E1EAFFB5F}"/>
-              </a:ext>
-            </a:extLst>
-          </p:cNvPr>
+          <p:cNvPr id="2" name="Title 1"/>
           <p:cNvSpPr>
             <a:spLocks noGrp="1"/>
           </p:cNvSpPr>
@@ -4003,21 +4025,16 @@
           <a:lstStyle/>
           <a:p>
             <a:r>
-              <a:rPr lang="en-NZ" dirty="0"/>
-              <a:t>AGENDA								(1/5)</a:t>
-            </a:r>
-          </a:p>
-        </p:txBody>
-      </p:sp>
-      <p:sp>
-        <p:nvSpPr>
-          <p:cNvPr id="5" name="Content Placeholder 4">
-            <a:extLst>
-              <a:ext uri="{FF2B5EF4-FFF2-40B4-BE49-F238E27FC236}">
-                <a16:creationId xmlns:a16="http://schemas.microsoft.com/office/drawing/2014/main" id="{615FDD26-7817-4A2C-B927-D3923D7B599D}"/>
-              </a:ext>
-            </a:extLst>
-          </p:cNvPr>
+              <a:rPr lang="en-NZ" dirty="0" smtClean="0"/>
+              <a:t>Debugging external libraries</a:t>
+            </a:r>
+            <a:endParaRPr lang="en-NZ" dirty="0"/>
+          </a:p>
+        </p:txBody>
+      </p:sp>
+      <p:sp>
+        <p:nvSpPr>
+          <p:cNvPr id="3" name="Content Placeholder 2"/>
           <p:cNvSpPr>
             <a:spLocks noGrp="1"/>
           </p:cNvSpPr>
@@ -4027,96 +4044,60 @@
         </p:nvSpPr>
         <p:spPr/>
         <p:txBody>
-          <a:bodyPr>
-            <a:normAutofit/>
-          </a:bodyPr>
-          <a:lstStyle/>
+          <a:bodyPr/>
+          <a:lstStyle/>
+          <a:p>
+            <a:endParaRPr lang="en-NZ" dirty="0" smtClean="0"/>
+          </a:p>
+          <a:p>
+            <a:endParaRPr lang="en-NZ" dirty="0" smtClean="0"/>
+          </a:p>
+          <a:p>
+            <a:endParaRPr lang="en-NZ" dirty="0" smtClean="0"/>
+          </a:p>
+          <a:p>
+            <a:endParaRPr lang="en-NZ" dirty="0" smtClean="0"/>
+          </a:p>
+          <a:p>
+            <a:endParaRPr lang="en-NZ" dirty="0" smtClean="0"/>
+          </a:p>
           <a:p>
             <a:pPr>
-              <a:buFont typeface="Wingdings" panose="05000000000000000000" pitchFamily="2" charset="2"/>
-              <a:buChar char="Ø"/>
+              <a:buNone/>
             </a:pPr>
             <a:r>
-              <a:rPr lang="en-NZ" dirty="0"/>
-              <a:t>Role of source files and program database (.PDB) files in debugging</a:t>
+              <a:rPr lang="en-NZ" dirty="0" err="1" smtClean="0"/>
+              <a:t>Varun</a:t>
+            </a:r>
+            <a:r>
+              <a:rPr lang="en-NZ" dirty="0" smtClean="0"/>
+              <a:t> Sharma</a:t>
             </a:r>
           </a:p>
           <a:p>
             <a:pPr>
-              <a:buFont typeface="Wingdings" panose="05000000000000000000" pitchFamily="2" charset="2"/>
-              <a:buChar char="Ø"/>
+              <a:buNone/>
             </a:pPr>
             <a:r>
-              <a:rPr lang="en-NZ" dirty="0"/>
-              <a:t>Debugging third party libraries* (debug build)</a:t>
-            </a:r>
-          </a:p>
-          <a:p>
-            <a:pPr>
-              <a:buFont typeface="Wingdings" panose="05000000000000000000" pitchFamily="2" charset="2"/>
-              <a:buChar char="Ø"/>
-            </a:pPr>
-            <a:r>
-              <a:rPr lang="en-NZ" dirty="0"/>
-              <a:t>Debugging third party libraries* (release/optimized build)</a:t>
-            </a:r>
-          </a:p>
-          <a:p>
-            <a:pPr>
-              <a:buFont typeface="Wingdings" panose="05000000000000000000" pitchFamily="2" charset="2"/>
-              <a:buChar char="Ø"/>
-            </a:pPr>
-            <a:r>
-              <a:rPr lang="en-NZ" dirty="0"/>
-              <a:t>Debugging .NET Framework libraries (only release/optimized build)</a:t>
-            </a:r>
-          </a:p>
-          <a:p>
-            <a:pPr>
-              <a:buFont typeface="Wingdings" panose="05000000000000000000" pitchFamily="2" charset="2"/>
-              <a:buChar char="Ø"/>
-            </a:pPr>
-            <a:r>
-              <a:rPr lang="en-NZ" dirty="0"/>
-              <a:t>Debugging .NET Core third party libraries (release/optimized)</a:t>
-            </a:r>
-          </a:p>
-          <a:p>
+              <a:rPr lang="en-NZ" dirty="0" smtClean="0"/>
+              <a:t>varun.sharma@countdown.co.nz</a:t>
+            </a:r>
             <a:endParaRPr lang="en-NZ" dirty="0"/>
           </a:p>
-          <a:p>
-            <a:pPr marL="0" indent="0">
-              <a:buNone/>
-            </a:pPr>
-            <a:r>
-              <a:rPr lang="en-US" sz="1100" dirty="0"/>
-              <a:t>*Third party libraries – libraries for which we do not have SOURCE code and PDB files.</a:t>
-            </a:r>
-          </a:p>
-          <a:p>
-            <a:endParaRPr lang="en-NZ" dirty="0"/>
-          </a:p>
-          <a:p>
-            <a:pPr marL="0" indent="0">
-              <a:buNone/>
-            </a:pPr>
-            <a:endParaRPr lang="en-NZ" dirty="0"/>
-          </a:p>
-          <a:p>
-            <a:endParaRPr lang="en-NZ" dirty="0"/>
-          </a:p>
         </p:txBody>
       </p:sp>
     </p:spTree>
-    <p:extLst>
-      <p:ext uri="{BB962C8B-B14F-4D97-AF65-F5344CB8AC3E}">
-        <p14:creationId xmlns:p14="http://schemas.microsoft.com/office/powerpoint/2010/main" val="2936895562"/>
-      </p:ext>
-    </p:extLst>
   </p:cSld>
   <p:clrMapOvr>
     <a:masterClrMapping/>
   </p:clrMapOvr>
+  <p:timing>
+    <p:tnLst>
+      <p:par>
+        <p:cTn id="1" dur="indefinite" restart="never" nodeType="tmRoot"/>
+      </p:par>
+    </p:tnLst>
+  </p:timing>
 </p:sld>
 </file>
 
@@ -4139,10 +4120,10 @@
       </p:grpSpPr>
       <p:sp>
         <p:nvSpPr>
-          <p:cNvPr id="2" name="Title 1">
+          <p:cNvPr id="4" name="Title 3">
             <a:extLst>
               <a:ext uri="{FF2B5EF4-FFF2-40B4-BE49-F238E27FC236}">
-                <a16:creationId xmlns:a16="http://schemas.microsoft.com/office/drawing/2014/main" id="{0B5E73A8-974E-4516-B2F7-1BBE9FDF2501}"/>
+                <a16:creationId xmlns:a16="http://schemas.microsoft.com/office/drawing/2014/main" xmlns="" id="{F5E059EC-AA50-455F-9912-117E1EAFFB5F}"/>
               </a:ext>
             </a:extLst>
           </p:cNvPr>
@@ -4160,17 +4141,17 @@
           <a:p>
             <a:r>
               <a:rPr lang="en-NZ" dirty="0"/>
-              <a:t>Conclusion (1)						(2/5)</a:t>
-            </a:r>
-          </a:p>
-        </p:txBody>
-      </p:sp>
-      <p:sp>
-        <p:nvSpPr>
-          <p:cNvPr id="3" name="Content Placeholder 2">
+              <a:t>AGENDA								(1/5)</a:t>
+            </a:r>
+          </a:p>
+        </p:txBody>
+      </p:sp>
+      <p:sp>
+        <p:nvSpPr>
+          <p:cNvPr id="5" name="Content Placeholder 4">
             <a:extLst>
               <a:ext uri="{FF2B5EF4-FFF2-40B4-BE49-F238E27FC236}">
-                <a16:creationId xmlns:a16="http://schemas.microsoft.com/office/drawing/2014/main" id="{051684D9-BEC5-4EF8-93E9-9BB22AA31255}"/>
+                <a16:creationId xmlns:a16="http://schemas.microsoft.com/office/drawing/2014/main" xmlns="" id="{615FDD26-7817-4A2C-B927-D3923D7B599D}"/>
               </a:ext>
             </a:extLst>
           </p:cNvPr>
@@ -4183,7 +4164,9 @@
         </p:nvSpPr>
         <p:spPr/>
         <p:txBody>
-          <a:bodyPr/>
+          <a:bodyPr>
+            <a:normAutofit/>
+          </a:bodyPr>
           <a:lstStyle/>
           <a:p>
             <a:pPr>
@@ -4192,8 +4175,63 @@
             </a:pPr>
             <a:r>
               <a:rPr lang="en-NZ" dirty="0"/>
-              <a:t>You must have PDB and SOURCE files when debugging through Visual Studio.</a:t>
-            </a:r>
+              <a:t>Role of source files and program database (.PDB) files in debugging</a:t>
+            </a:r>
+          </a:p>
+          <a:p>
+            <a:pPr>
+              <a:buFont typeface="Wingdings" panose="05000000000000000000" pitchFamily="2" charset="2"/>
+              <a:buChar char="Ø"/>
+            </a:pPr>
+            <a:r>
+              <a:rPr lang="en-NZ" dirty="0"/>
+              <a:t>Debugging third party libraries* (debug build)</a:t>
+            </a:r>
+          </a:p>
+          <a:p>
+            <a:pPr>
+              <a:buFont typeface="Wingdings" panose="05000000000000000000" pitchFamily="2" charset="2"/>
+              <a:buChar char="Ø"/>
+            </a:pPr>
+            <a:r>
+              <a:rPr lang="en-NZ" dirty="0"/>
+              <a:t>Debugging third party libraries* (release/optimized build)</a:t>
+            </a:r>
+          </a:p>
+          <a:p>
+            <a:pPr>
+              <a:buFont typeface="Wingdings" panose="05000000000000000000" pitchFamily="2" charset="2"/>
+              <a:buChar char="Ø"/>
+            </a:pPr>
+            <a:r>
+              <a:rPr lang="en-NZ" dirty="0"/>
+              <a:t>Debugging .NET Framework libraries (only release/optimized build)</a:t>
+            </a:r>
+          </a:p>
+          <a:p>
+            <a:pPr>
+              <a:buFont typeface="Wingdings" panose="05000000000000000000" pitchFamily="2" charset="2"/>
+              <a:buChar char="Ø"/>
+            </a:pPr>
+            <a:r>
+              <a:rPr lang="en-NZ" dirty="0"/>
+              <a:t>Debugging .NET Core third party libraries (release/optimized)</a:t>
+            </a:r>
+          </a:p>
+          <a:p>
+            <a:endParaRPr lang="en-NZ" dirty="0"/>
+          </a:p>
+          <a:p>
+            <a:pPr marL="0" indent="0">
+              <a:buNone/>
+            </a:pPr>
+            <a:r>
+              <a:rPr lang="en-US" sz="1100" dirty="0"/>
+              <a:t>*Third party libraries – libraries for which we do not have SOURCE code and PDB files.</a:t>
+            </a:r>
+          </a:p>
+          <a:p>
+            <a:endParaRPr lang="en-NZ" dirty="0"/>
           </a:p>
           <a:p>
             <a:pPr marL="0" indent="0">
@@ -4209,13 +4247,20 @@
     </p:spTree>
     <p:extLst>
       <p:ext uri="{BB962C8B-B14F-4D97-AF65-F5344CB8AC3E}">
-        <p14:creationId xmlns:p14="http://schemas.microsoft.com/office/powerpoint/2010/main" val="2611177906"/>
+        <p14:creationId xmlns:p14="http://schemas.microsoft.com/office/powerpoint/2010/main" xmlns="" val="2936895562"/>
       </p:ext>
     </p:extLst>
   </p:cSld>
   <p:clrMapOvr>
     <a:masterClrMapping/>
   </p:clrMapOvr>
+  <p:timing>
+    <p:tnLst>
+      <p:par>
+        <p:cTn id="1" dur="indefinite" restart="never" nodeType="tmRoot"/>
+      </p:par>
+    </p:tnLst>
+  </p:timing>
 </p:sld>
 </file>
 
@@ -4241,7 +4286,7 @@
           <p:cNvPr id="2" name="Title 1">
             <a:extLst>
               <a:ext uri="{FF2B5EF4-FFF2-40B4-BE49-F238E27FC236}">
-                <a16:creationId xmlns:a16="http://schemas.microsoft.com/office/drawing/2014/main" id="{5A020941-7E54-4A9E-A881-EC59D492CD25}"/>
+                <a16:creationId xmlns:a16="http://schemas.microsoft.com/office/drawing/2014/main" xmlns="" id="{0B5E73A8-974E-4516-B2F7-1BBE9FDF2501}"/>
               </a:ext>
             </a:extLst>
           </p:cNvPr>
@@ -4259,7 +4304,7 @@
           <a:p>
             <a:r>
               <a:rPr lang="en-NZ" dirty="0"/>
-              <a:t>Conclusion (2)						 (3/5)</a:t>
+              <a:t>Conclusion (1)						(2/5)</a:t>
             </a:r>
           </a:p>
         </p:txBody>
@@ -4269,7 +4314,7 @@
           <p:cNvPr id="3" name="Content Placeholder 2">
             <a:extLst>
               <a:ext uri="{FF2B5EF4-FFF2-40B4-BE49-F238E27FC236}">
-                <a16:creationId xmlns:a16="http://schemas.microsoft.com/office/drawing/2014/main" id="{E66A1BA9-0909-41F3-8626-8F04AFEFBC0A}"/>
+                <a16:creationId xmlns:a16="http://schemas.microsoft.com/office/drawing/2014/main" xmlns="" id="{051684D9-BEC5-4EF8-93E9-9BB22AA31255}"/>
               </a:ext>
             </a:extLst>
           </p:cNvPr>
@@ -4290,56 +4335,25 @@
               <a:buChar char="Ø"/>
             </a:pPr>
             <a:r>
-              <a:rPr lang="en-NZ" dirty="0">
-                <a:solidFill>
-                  <a:schemeClr val="bg1">
-                    <a:lumMod val="65000"/>
-                  </a:schemeClr>
-                </a:solidFill>
-              </a:rPr>
+              <a:rPr lang="en-NZ" dirty="0"/>
               <a:t>You must have PDB and SOURCE files when debugging through Visual Studio.</a:t>
             </a:r>
           </a:p>
           <a:p>
-            <a:pPr>
-              <a:buFont typeface="Wingdings" panose="05000000000000000000" pitchFamily="2" charset="2"/>
-              <a:buChar char="Ø"/>
+            <a:pPr marL="0" indent="0">
+              <a:buNone/>
             </a:pPr>
-            <a:r>
-              <a:rPr lang="en-NZ" dirty="0"/>
-              <a:t>If you don’t have PDB and SOURCE then generate it using ReSharper, Telerik </a:t>
-            </a:r>
-            <a:r>
-              <a:rPr lang="en-NZ" dirty="0" err="1"/>
-              <a:t>JustDecompile</a:t>
-            </a:r>
-            <a:r>
-              <a:rPr lang="en-NZ" dirty="0"/>
-              <a:t>, </a:t>
-            </a:r>
-            <a:r>
-              <a:rPr lang="en-NZ" dirty="0" err="1"/>
-              <a:t>DotPeek</a:t>
-            </a:r>
-            <a:r>
-              <a:rPr lang="en-NZ" dirty="0"/>
-              <a:t>, </a:t>
-            </a:r>
-            <a:r>
-              <a:rPr lang="en-NZ" dirty="0" err="1"/>
-              <a:t>RedGate</a:t>
-            </a:r>
-            <a:r>
-              <a:rPr lang="en-NZ" dirty="0"/>
-              <a:t> Reflector etc. and then debug it.</a:t>
-            </a:r>
+            <a:endParaRPr lang="en-NZ" dirty="0"/>
+          </a:p>
+          <a:p>
+            <a:endParaRPr lang="en-NZ" dirty="0"/>
           </a:p>
         </p:txBody>
       </p:sp>
     </p:spTree>
     <p:extLst>
       <p:ext uri="{BB962C8B-B14F-4D97-AF65-F5344CB8AC3E}">
-        <p14:creationId xmlns:p14="http://schemas.microsoft.com/office/powerpoint/2010/main" val="1579813100"/>
+        <p14:creationId xmlns:p14="http://schemas.microsoft.com/office/powerpoint/2010/main" xmlns="" val="2611177906"/>
       </p:ext>
     </p:extLst>
   </p:cSld>
@@ -4371,7 +4385,7 @@
           <p:cNvPr id="2" name="Title 1">
             <a:extLst>
               <a:ext uri="{FF2B5EF4-FFF2-40B4-BE49-F238E27FC236}">
-                <a16:creationId xmlns:a16="http://schemas.microsoft.com/office/drawing/2014/main" id="{0DA2A30F-C3C8-4E03-A540-6C66887240DE}"/>
+                <a16:creationId xmlns:a16="http://schemas.microsoft.com/office/drawing/2014/main" xmlns="" id="{5A020941-7E54-4A9E-A881-EC59D492CD25}"/>
               </a:ext>
             </a:extLst>
           </p:cNvPr>
@@ -4389,7 +4403,7 @@
           <a:p>
             <a:r>
               <a:rPr lang="en-NZ" dirty="0"/>
-              <a:t>Conclusion (3)						 (4/5)</a:t>
+              <a:t>Conclusion (2)						 (3/5)</a:t>
             </a:r>
           </a:p>
         </p:txBody>
@@ -4399,7 +4413,7 @@
           <p:cNvPr id="3" name="Content Placeholder 2">
             <a:extLst>
               <a:ext uri="{FF2B5EF4-FFF2-40B4-BE49-F238E27FC236}">
-                <a16:creationId xmlns:a16="http://schemas.microsoft.com/office/drawing/2014/main" id="{B6F50159-9402-4BB3-B653-1860521EFF32}"/>
+                <a16:creationId xmlns:a16="http://schemas.microsoft.com/office/drawing/2014/main" xmlns="" id="{E66A1BA9-0909-41F3-8626-8F04AFEFBC0A}"/>
               </a:ext>
             </a:extLst>
           </p:cNvPr>
@@ -4436,84 +4450,32 @@
               <a:buChar char="Ø"/>
             </a:pPr>
             <a:r>
-              <a:rPr lang="en-NZ" dirty="0">
-                <a:solidFill>
-                  <a:schemeClr val="bg1">
-                    <a:lumMod val="65000"/>
-                  </a:schemeClr>
-                </a:solidFill>
-              </a:rPr>
+              <a:rPr lang="en-NZ" dirty="0"/>
               <a:t>If you don’t have PDB and SOURCE then generate it using ReSharper, Telerik </a:t>
             </a:r>
             <a:r>
-              <a:rPr lang="en-NZ" dirty="0" err="1">
-                <a:solidFill>
-                  <a:schemeClr val="bg1">
-                    <a:lumMod val="65000"/>
-                  </a:schemeClr>
-                </a:solidFill>
-              </a:rPr>
+              <a:rPr lang="en-NZ" dirty="0" err="1"/>
               <a:t>JustDecompile</a:t>
             </a:r>
             <a:r>
-              <a:rPr lang="en-NZ" dirty="0">
-                <a:solidFill>
-                  <a:schemeClr val="bg1">
-                    <a:lumMod val="65000"/>
-                  </a:schemeClr>
-                </a:solidFill>
-              </a:rPr>
+              <a:rPr lang="en-NZ" dirty="0"/>
               <a:t>, </a:t>
             </a:r>
             <a:r>
-              <a:rPr lang="en-NZ" dirty="0" err="1">
-                <a:solidFill>
-                  <a:schemeClr val="bg1">
-                    <a:lumMod val="65000"/>
-                  </a:schemeClr>
-                </a:solidFill>
-              </a:rPr>
+              <a:rPr lang="en-NZ" dirty="0" err="1"/>
               <a:t>DotPeek</a:t>
             </a:r>
             <a:r>
-              <a:rPr lang="en-NZ" dirty="0">
-                <a:solidFill>
-                  <a:schemeClr val="bg1">
-                    <a:lumMod val="65000"/>
-                  </a:schemeClr>
-                </a:solidFill>
-              </a:rPr>
+              <a:rPr lang="en-NZ" dirty="0"/>
               <a:t>, </a:t>
             </a:r>
             <a:r>
-              <a:rPr lang="en-NZ" dirty="0" err="1">
-                <a:solidFill>
-                  <a:schemeClr val="bg1">
-                    <a:lumMod val="65000"/>
-                  </a:schemeClr>
-                </a:solidFill>
-              </a:rPr>
+              <a:rPr lang="en-NZ" dirty="0" err="1"/>
               <a:t>RedGate</a:t>
             </a:r>
             <a:r>
-              <a:rPr lang="en-NZ" dirty="0">
-                <a:solidFill>
-                  <a:schemeClr val="bg1">
-                    <a:lumMod val="65000"/>
-                  </a:schemeClr>
-                </a:solidFill>
-              </a:rPr>
+              <a:rPr lang="en-NZ" dirty="0"/>
               <a:t> Reflector etc. and then debug it.</a:t>
-            </a:r>
-          </a:p>
-          <a:p>
-            <a:pPr>
-              <a:buFont typeface="Wingdings" panose="05000000000000000000" pitchFamily="2" charset="2"/>
-              <a:buChar char="Ø"/>
-            </a:pPr>
-            <a:r>
-              <a:rPr lang="en-NZ" dirty="0"/>
-              <a:t>If you are debugging release/optimized libraries then turn off the JIT optimization through Visual Studio or by placing INI file (Initialization / Configuration file) where assembly is loaded from.</a:t>
             </a:r>
           </a:p>
         </p:txBody>
@@ -4521,7 +4483,7 @@
     </p:spTree>
     <p:extLst>
       <p:ext uri="{BB962C8B-B14F-4D97-AF65-F5344CB8AC3E}">
-        <p14:creationId xmlns:p14="http://schemas.microsoft.com/office/powerpoint/2010/main" val="2683084534"/>
+        <p14:creationId xmlns:p14="http://schemas.microsoft.com/office/powerpoint/2010/main" xmlns="" val="1579813100"/>
       </p:ext>
     </p:extLst>
   </p:cSld>
@@ -4553,7 +4515,7 @@
           <p:cNvPr id="2" name="Title 1">
             <a:extLst>
               <a:ext uri="{FF2B5EF4-FFF2-40B4-BE49-F238E27FC236}">
-                <a16:creationId xmlns:a16="http://schemas.microsoft.com/office/drawing/2014/main" id="{D93F7C65-422D-4EFF-BACE-3490EF4E2BA0}"/>
+                <a16:creationId xmlns:a16="http://schemas.microsoft.com/office/drawing/2014/main" xmlns="" id="{0DA2A30F-C3C8-4E03-A540-6C66887240DE}"/>
               </a:ext>
             </a:extLst>
           </p:cNvPr>
@@ -4571,7 +4533,7 @@
           <a:p>
             <a:r>
               <a:rPr lang="en-NZ" dirty="0"/>
-              <a:t>Conclusion (4)						 (5/6)</a:t>
+              <a:t>Conclusion (3)						 (4/5)</a:t>
             </a:r>
           </a:p>
         </p:txBody>
@@ -4581,7 +4543,7 @@
           <p:cNvPr id="3" name="Content Placeholder 2">
             <a:extLst>
               <a:ext uri="{FF2B5EF4-FFF2-40B4-BE49-F238E27FC236}">
-                <a16:creationId xmlns:a16="http://schemas.microsoft.com/office/drawing/2014/main" id="{7970B7E2-E8C3-408D-8BCA-C5F36BDF1C4E}"/>
+                <a16:creationId xmlns:a16="http://schemas.microsoft.com/office/drawing/2014/main" xmlns="" id="{B6F50159-9402-4BB3-B653-1860521EFF32}"/>
               </a:ext>
             </a:extLst>
           </p:cNvPr>
@@ -4694,6 +4656,188 @@
               <a:buChar char="Ø"/>
             </a:pPr>
             <a:r>
+              <a:rPr lang="en-NZ" dirty="0"/>
+              <a:t>If you are debugging release/optimized libraries then turn off the JIT optimization through Visual Studio or by placing INI file (Initialization / Configuration file) where assembly is loaded from.</a:t>
+            </a:r>
+          </a:p>
+        </p:txBody>
+      </p:sp>
+    </p:spTree>
+    <p:extLst>
+      <p:ext uri="{BB962C8B-B14F-4D97-AF65-F5344CB8AC3E}">
+        <p14:creationId xmlns:p14="http://schemas.microsoft.com/office/powerpoint/2010/main" xmlns="" val="2683084534"/>
+      </p:ext>
+    </p:extLst>
+  </p:cSld>
+  <p:clrMapOvr>
+    <a:masterClrMapping/>
+  </p:clrMapOvr>
+</p:sld>
+</file>
+
+<file path=ppt/slides/slide6.xml><?xml version="1.0" encoding="utf-8"?>
+<p:sld xmlns:a="http://schemas.openxmlformats.org/drawingml/2006/main" xmlns:r="http://schemas.openxmlformats.org/officeDocument/2006/relationships" xmlns:p="http://schemas.openxmlformats.org/presentationml/2006/main">
+  <p:cSld>
+    <p:spTree>
+      <p:nvGrpSpPr>
+        <p:cNvPr id="1" name=""/>
+        <p:cNvGrpSpPr/>
+        <p:nvPr/>
+      </p:nvGrpSpPr>
+      <p:grpSpPr>
+        <a:xfrm>
+          <a:off x="0" y="0"/>
+          <a:ext cx="0" cy="0"/>
+          <a:chOff x="0" y="0"/>
+          <a:chExt cx="0" cy="0"/>
+        </a:xfrm>
+      </p:grpSpPr>
+      <p:sp>
+        <p:nvSpPr>
+          <p:cNvPr id="2" name="Title 1">
+            <a:extLst>
+              <a:ext uri="{FF2B5EF4-FFF2-40B4-BE49-F238E27FC236}">
+                <a16:creationId xmlns:a16="http://schemas.microsoft.com/office/drawing/2014/main" xmlns="" id="{D93F7C65-422D-4EFF-BACE-3490EF4E2BA0}"/>
+              </a:ext>
+            </a:extLst>
+          </p:cNvPr>
+          <p:cNvSpPr>
+            <a:spLocks noGrp="1"/>
+          </p:cNvSpPr>
+          <p:nvPr>
+            <p:ph type="title"/>
+          </p:nvPr>
+        </p:nvSpPr>
+        <p:spPr/>
+        <p:txBody>
+          <a:bodyPr/>
+          <a:lstStyle/>
+          <a:p>
+            <a:r>
+              <a:rPr lang="en-NZ" dirty="0"/>
+              <a:t>Conclusion (4)						 (5/6)</a:t>
+            </a:r>
+          </a:p>
+        </p:txBody>
+      </p:sp>
+      <p:sp>
+        <p:nvSpPr>
+          <p:cNvPr id="3" name="Content Placeholder 2">
+            <a:extLst>
+              <a:ext uri="{FF2B5EF4-FFF2-40B4-BE49-F238E27FC236}">
+                <a16:creationId xmlns:a16="http://schemas.microsoft.com/office/drawing/2014/main" xmlns="" id="{7970B7E2-E8C3-408D-8BCA-C5F36BDF1C4E}"/>
+              </a:ext>
+            </a:extLst>
+          </p:cNvPr>
+          <p:cNvSpPr>
+            <a:spLocks noGrp="1"/>
+          </p:cNvSpPr>
+          <p:nvPr>
+            <p:ph idx="1"/>
+          </p:nvPr>
+        </p:nvSpPr>
+        <p:spPr/>
+        <p:txBody>
+          <a:bodyPr/>
+          <a:lstStyle/>
+          <a:p>
+            <a:pPr>
+              <a:buFont typeface="Wingdings" panose="05000000000000000000" pitchFamily="2" charset="2"/>
+              <a:buChar char="Ø"/>
+            </a:pPr>
+            <a:r>
+              <a:rPr lang="en-NZ" dirty="0">
+                <a:solidFill>
+                  <a:schemeClr val="bg1">
+                    <a:lumMod val="65000"/>
+                  </a:schemeClr>
+                </a:solidFill>
+              </a:rPr>
+              <a:t>You must have PDB and SOURCE files when debugging through Visual Studio.</a:t>
+            </a:r>
+          </a:p>
+          <a:p>
+            <a:pPr>
+              <a:buFont typeface="Wingdings" panose="05000000000000000000" pitchFamily="2" charset="2"/>
+              <a:buChar char="Ø"/>
+            </a:pPr>
+            <a:r>
+              <a:rPr lang="en-NZ" dirty="0">
+                <a:solidFill>
+                  <a:schemeClr val="bg1">
+                    <a:lumMod val="65000"/>
+                  </a:schemeClr>
+                </a:solidFill>
+              </a:rPr>
+              <a:t>If you don’t have PDB and SOURCE then generate it using ReSharper, Telerik </a:t>
+            </a:r>
+            <a:r>
+              <a:rPr lang="en-NZ" dirty="0" err="1">
+                <a:solidFill>
+                  <a:schemeClr val="bg1">
+                    <a:lumMod val="65000"/>
+                  </a:schemeClr>
+                </a:solidFill>
+              </a:rPr>
+              <a:t>JustDecompile</a:t>
+            </a:r>
+            <a:r>
+              <a:rPr lang="en-NZ" dirty="0">
+                <a:solidFill>
+                  <a:schemeClr val="bg1">
+                    <a:lumMod val="65000"/>
+                  </a:schemeClr>
+                </a:solidFill>
+              </a:rPr>
+              <a:t>, </a:t>
+            </a:r>
+            <a:r>
+              <a:rPr lang="en-NZ" dirty="0" err="1">
+                <a:solidFill>
+                  <a:schemeClr val="bg1">
+                    <a:lumMod val="65000"/>
+                  </a:schemeClr>
+                </a:solidFill>
+              </a:rPr>
+              <a:t>DotPeek</a:t>
+            </a:r>
+            <a:r>
+              <a:rPr lang="en-NZ" dirty="0">
+                <a:solidFill>
+                  <a:schemeClr val="bg1">
+                    <a:lumMod val="65000"/>
+                  </a:schemeClr>
+                </a:solidFill>
+              </a:rPr>
+              <a:t>, </a:t>
+            </a:r>
+            <a:r>
+              <a:rPr lang="en-NZ" dirty="0" err="1">
+                <a:solidFill>
+                  <a:schemeClr val="bg1">
+                    <a:lumMod val="65000"/>
+                  </a:schemeClr>
+                </a:solidFill>
+              </a:rPr>
+              <a:t>RedGate</a:t>
+            </a:r>
+            <a:r>
+              <a:rPr lang="en-NZ" dirty="0">
+                <a:solidFill>
+                  <a:schemeClr val="bg1">
+                    <a:lumMod val="65000"/>
+                  </a:schemeClr>
+                </a:solidFill>
+              </a:rPr>
+              <a:t> Reflector etc. and then debug it.</a:t>
+            </a:r>
+          </a:p>
+          <a:p>
+            <a:pPr>
+              <a:buFont typeface="Wingdings" panose="05000000000000000000" pitchFamily="2" charset="2"/>
+              <a:buChar char="Ø"/>
+            </a:pPr>
+            <a:r>
               <a:rPr lang="en-NZ" dirty="0">
                 <a:solidFill>
                   <a:schemeClr val="bg1">
@@ -4727,13 +4871,141 @@
     </p:spTree>
     <p:extLst>
       <p:ext uri="{BB962C8B-B14F-4D97-AF65-F5344CB8AC3E}">
-        <p14:creationId xmlns:p14="http://schemas.microsoft.com/office/powerpoint/2010/main" val="2544311588"/>
+        <p14:creationId xmlns:p14="http://schemas.microsoft.com/office/powerpoint/2010/main" xmlns="" val="2544311588"/>
       </p:ext>
     </p:extLst>
   </p:cSld>
   <p:clrMapOvr>
     <a:masterClrMapping/>
   </p:clrMapOvr>
+</p:sld>
+</file>
+
+<file path=ppt/slides/slide7.xml><?xml version="1.0" encoding="utf-8"?>
+<p:sld xmlns:a="http://schemas.openxmlformats.org/drawingml/2006/main" xmlns:r="http://schemas.openxmlformats.org/officeDocument/2006/relationships" xmlns:p="http://schemas.openxmlformats.org/presentationml/2006/main">
+  <p:cSld>
+    <p:spTree>
+      <p:nvGrpSpPr>
+        <p:cNvPr id="1" name=""/>
+        <p:cNvGrpSpPr/>
+        <p:nvPr/>
+      </p:nvGrpSpPr>
+      <p:grpSpPr>
+        <a:xfrm>
+          <a:off x="0" y="0"/>
+          <a:ext cx="0" cy="0"/>
+          <a:chOff x="0" y="0"/>
+          <a:chExt cx="0" cy="0"/>
+        </a:xfrm>
+      </p:grpSpPr>
+      <p:sp>
+        <p:nvSpPr>
+          <p:cNvPr id="2" name="Title 1"/>
+          <p:cNvSpPr>
+            <a:spLocks noGrp="1"/>
+          </p:cNvSpPr>
+          <p:nvPr>
+            <p:ph type="title"/>
+          </p:nvPr>
+        </p:nvSpPr>
+        <p:spPr/>
+        <p:txBody>
+          <a:bodyPr/>
+          <a:lstStyle/>
+          <a:p>
+            <a:r>
+              <a:rPr lang="en-NZ" dirty="0" smtClean="0"/>
+              <a:t>references</a:t>
+            </a:r>
+            <a:endParaRPr lang="en-NZ" dirty="0"/>
+          </a:p>
+        </p:txBody>
+      </p:sp>
+      <p:sp>
+        <p:nvSpPr>
+          <p:cNvPr id="3" name="Content Placeholder 2"/>
+          <p:cNvSpPr>
+            <a:spLocks noGrp="1"/>
+          </p:cNvSpPr>
+          <p:nvPr>
+            <p:ph idx="1"/>
+          </p:nvPr>
+        </p:nvSpPr>
+        <p:spPr/>
+        <p:txBody>
+          <a:bodyPr/>
+          <a:lstStyle/>
+          <a:p>
+            <a:r>
+              <a:rPr lang="en-NZ" dirty="0" smtClean="0">
+                <a:hlinkClick r:id="rId2"/>
+              </a:rPr>
+              <a:t>JIT Optimization and Debugging</a:t>
+            </a:r>
+            <a:endParaRPr lang="en-NZ" dirty="0" smtClean="0"/>
+          </a:p>
+          <a:p>
+            <a:r>
+              <a:rPr lang="en-NZ" dirty="0" smtClean="0">
+                <a:hlinkClick r:id="rId3"/>
+              </a:rPr>
+              <a:t>Disable JIT with INI File</a:t>
+            </a:r>
+            <a:endParaRPr lang="en-NZ" dirty="0" smtClean="0"/>
+          </a:p>
+          <a:p>
+            <a:r>
+              <a:rPr lang="en-NZ" dirty="0" smtClean="0">
+                <a:hlinkClick r:id="rId4"/>
+              </a:rPr>
+              <a:t>Force CLR to not load assemblies from Native Image Cache</a:t>
+            </a:r>
+            <a:endParaRPr lang="en-NZ" dirty="0" smtClean="0"/>
+          </a:p>
+          <a:p>
+            <a:r>
+              <a:rPr lang="en-NZ" dirty="0" err="1" smtClean="0"/>
+              <a:t>ReSharper</a:t>
+            </a:r>
+            <a:endParaRPr lang="en-NZ" dirty="0" smtClean="0"/>
+          </a:p>
+          <a:p>
+            <a:pPr lvl="1"/>
+            <a:r>
+              <a:rPr lang="en-NZ" dirty="0" smtClean="0">
+                <a:hlinkClick r:id="rId5"/>
+              </a:rPr>
+              <a:t>Process Explorer</a:t>
+            </a:r>
+            <a:endParaRPr lang="en-NZ" dirty="0" smtClean="0"/>
+          </a:p>
+          <a:p>
+            <a:pPr lvl="1"/>
+            <a:r>
+              <a:rPr lang="en-NZ" dirty="0" smtClean="0">
+                <a:hlinkClick r:id="rId6"/>
+              </a:rPr>
+              <a:t>PDB Generation</a:t>
+            </a:r>
+            <a:endParaRPr lang="en-NZ" dirty="0" smtClean="0"/>
+          </a:p>
+          <a:p>
+            <a:endParaRPr lang="en-NZ" dirty="0"/>
+          </a:p>
+        </p:txBody>
+      </p:sp>
+    </p:spTree>
+  </p:cSld>
+  <p:clrMapOvr>
+    <a:masterClrMapping/>
+  </p:clrMapOvr>
+  <p:timing>
+    <p:tnLst>
+      <p:par>
+        <p:cTn id="1" dur="indefinite" restart="never" nodeType="tmRoot"/>
+      </p:par>
+    </p:tnLst>
+  </p:timing>
 </p:sld>
 </file>
 
@@ -4780,7 +5052,7 @@
     </a:clrScheme>
     <a:fontScheme name="Gallery">
       <a:majorFont>
-        <a:latin typeface="Gill Sans MT" panose="020B0502020104020203"/>
+        <a:latin typeface="Gill Sans MT"/>
         <a:ea typeface=""/>
         <a:cs typeface=""/>
         <a:font script="Jpan" typeface="游ゴシック Light"/>
@@ -4815,7 +5087,7 @@
         <a:font script="Geor" typeface="Sylfaen"/>
       </a:majorFont>
       <a:minorFont>
-        <a:latin typeface="Gill Sans MT" panose="020B0502020104020203"/>
+        <a:latin typeface="Gill Sans MT"/>
         <a:ea typeface=""/>
         <a:cs typeface=""/>
         <a:font script="Jpan" typeface="游ゴシック"/>
@@ -4984,7 +5256,7 @@
   <a:extraClrSchemeLst/>
   <a:extLst>
     <a:ext uri="{05A4C25C-085E-4340-85A3-A5531E510DB2}">
-      <thm15:themeFamily xmlns:thm15="http://schemas.microsoft.com/office/thememl/2012/main" name="Gallery" id="{BBFCD31E-59A1-489D-B089-A3EAD7CAE12E}" vid="{F5E91637-A7B6-4E27-B710-77DA7014EE1E}"/>
+      <thm15:themeFamily xmlns:thm15="http://schemas.microsoft.com/office/thememl/2012/main" xmlns="" name="Gallery" id="{BBFCD31E-59A1-489D-B089-A3EAD7CAE12E}" vid="{F5E91637-A7B6-4E27-B710-77DA7014EE1E}"/>
     </a:ext>
   </a:extLst>
 </a:theme>
@@ -5033,7 +5305,7 @@
     </a:clrScheme>
     <a:fontScheme name="Office">
       <a:majorFont>
-        <a:latin typeface="Calibri Light" panose="020F0302020204030204"/>
+        <a:latin typeface="Calibri Light"/>
         <a:ea typeface=""/>
         <a:cs typeface=""/>
         <a:font script="Jpan" typeface="游ゴシック Light"/>
@@ -5085,7 +5357,7 @@
         <a:font script="Tfng" typeface="Ebrima"/>
       </a:majorFont>
       <a:minorFont>
-        <a:latin typeface="Calibri" panose="020F0502020204030204"/>
+        <a:latin typeface="Calibri"/>
         <a:ea typeface=""/>
         <a:cs typeface=""/>
         <a:font script="Jpan" typeface="游ゴシック"/>
@@ -5279,7 +5551,7 @@
   <a:extraClrSchemeLst/>
   <a:extLst>
     <a:ext uri="{05A4C25C-085E-4340-85A3-A5531E510DB2}">
-      <thm15:themeFamily xmlns:thm15="http://schemas.microsoft.com/office/thememl/2012/main" name="Office Theme" id="{62F939B6-93AF-4DB8-9C6B-D6C7DFDC589F}" vid="{4A3C46E8-61CC-4603-A589-7422A47A8E4A}"/>
+      <thm15:themeFamily xmlns:thm15="http://schemas.microsoft.com/office/thememl/2012/main" xmlns="" name="Office Theme" id="{62F939B6-93AF-4DB8-9C6B-D6C7DFDC589F}" vid="{4A3C46E8-61CC-4603-A589-7422A47A8E4A}"/>
     </a:ext>
   </a:extLst>
 </a:theme>
